--- a/ppt 16-9/0590.主使我满足.pptx
+++ b/ppt 16-9/0590.主使我满足.pptx
@@ -5,7 +5,7 @@
     <p:sldMasterId id="2147483648" r:id="rId1"/>
   </p:sldMasterIdLst>
   <p:sldIdLst>
-    <p:sldId id="2362" r:id="rId2"/>
+    <p:sldId id="2364" r:id="rId2"/>
   </p:sldIdLst>
   <p:sldSz cx="12192000" cy="6858000"/>
   <p:notesSz cx="6858000" cy="9144000"/>
@@ -129,7 +129,7 @@
           <p:cNvPr id="2" name="标题 1">
             <a:extLst>
               <a:ext uri="{FF2B5EF4-FFF2-40B4-BE49-F238E27FC236}">
-                <a16:creationId xmlns:a16="http://schemas.microsoft.com/office/drawing/2014/main" id="{3F9370DA-E6E7-7E02-2F85-5CF1618E144B}"/>
+                <a16:creationId xmlns:a16="http://schemas.microsoft.com/office/drawing/2014/main" id="{CC7A766F-5FA2-38CD-53B7-162D7A307575}"/>
               </a:ext>
             </a:extLst>
           </p:cNvPr>
@@ -166,7 +166,7 @@
           <p:cNvPr id="3" name="副标题 2">
             <a:extLst>
               <a:ext uri="{FF2B5EF4-FFF2-40B4-BE49-F238E27FC236}">
-                <a16:creationId xmlns:a16="http://schemas.microsoft.com/office/drawing/2014/main" id="{6D84513F-40D0-8869-60C9-26F66368B7F1}"/>
+                <a16:creationId xmlns:a16="http://schemas.microsoft.com/office/drawing/2014/main" id="{8DBF1A86-40C6-AF4C-CD5F-99B20465BD3D}"/>
               </a:ext>
             </a:extLst>
           </p:cNvPr>
@@ -236,7 +236,7 @@
           <p:cNvPr id="4" name="日期占位符 3">
             <a:extLst>
               <a:ext uri="{FF2B5EF4-FFF2-40B4-BE49-F238E27FC236}">
-                <a16:creationId xmlns:a16="http://schemas.microsoft.com/office/drawing/2014/main" id="{9B3C0C1C-A8F4-2B3D-C794-BAEB6C278ACD}"/>
+                <a16:creationId xmlns:a16="http://schemas.microsoft.com/office/drawing/2014/main" id="{D0042466-2FE8-FF1E-EE34-1DAA128BD5FD}"/>
               </a:ext>
             </a:extLst>
           </p:cNvPr>
@@ -252,7 +252,7 @@
           <a:bodyPr/>
           <a:lstStyle/>
           <a:p>
-            <a:fld id="{B6B25925-E63A-4564-819A-1E9D72FB26F0}" type="datetimeFigureOut">
+            <a:fld id="{C5310FB9-0E90-4D1C-894F-D752BE3695E0}" type="datetimeFigureOut">
               <a:rPr lang="zh-CN" altLang="en-US" smtClean="0"/>
               <a:t>2024/3/10</a:t>
             </a:fld>
@@ -265,7 +265,7 @@
           <p:cNvPr id="5" name="页脚占位符 4">
             <a:extLst>
               <a:ext uri="{FF2B5EF4-FFF2-40B4-BE49-F238E27FC236}">
-                <a16:creationId xmlns:a16="http://schemas.microsoft.com/office/drawing/2014/main" id="{EFDDC29B-1E2C-289C-B327-EF8AD850E117}"/>
+                <a16:creationId xmlns:a16="http://schemas.microsoft.com/office/drawing/2014/main" id="{9CE6B008-E939-97E4-557E-0A336E18E6CA}"/>
               </a:ext>
             </a:extLst>
           </p:cNvPr>
@@ -290,7 +290,7 @@
           <p:cNvPr id="6" name="灯片编号占位符 5">
             <a:extLst>
               <a:ext uri="{FF2B5EF4-FFF2-40B4-BE49-F238E27FC236}">
-                <a16:creationId xmlns:a16="http://schemas.microsoft.com/office/drawing/2014/main" id="{3EAABAF8-0A2C-D92E-E72D-DB545E594DE3}"/>
+                <a16:creationId xmlns:a16="http://schemas.microsoft.com/office/drawing/2014/main" id="{0798D01C-AABC-D9B6-039C-FD6E344BE71D}"/>
               </a:ext>
             </a:extLst>
           </p:cNvPr>
@@ -306,7 +306,7 @@
           <a:bodyPr/>
           <a:lstStyle/>
           <a:p>
-            <a:fld id="{EC14BF7C-649D-4EBE-AAA8-6DF371B77229}" type="slidenum">
+            <a:fld id="{EEC8AF28-4E70-4040-9671-91D572182E5F}" type="slidenum">
               <a:rPr lang="zh-CN" altLang="en-US" smtClean="0"/>
               <a:t>‹#›</a:t>
             </a:fld>
@@ -317,7 +317,7 @@
     </p:spTree>
     <p:extLst>
       <p:ext uri="{BB962C8B-B14F-4D97-AF65-F5344CB8AC3E}">
-        <p14:creationId xmlns:p14="http://schemas.microsoft.com/office/powerpoint/2010/main" val="1888278397"/>
+        <p14:creationId xmlns:p14="http://schemas.microsoft.com/office/powerpoint/2010/main" val="1971678403"/>
       </p:ext>
     </p:extLst>
   </p:cSld>
@@ -349,7 +349,7 @@
           <p:cNvPr id="2" name="标题 1">
             <a:extLst>
               <a:ext uri="{FF2B5EF4-FFF2-40B4-BE49-F238E27FC236}">
-                <a16:creationId xmlns:a16="http://schemas.microsoft.com/office/drawing/2014/main" id="{03DBA474-A4AC-AFA2-05B7-98DA664C570E}"/>
+                <a16:creationId xmlns:a16="http://schemas.microsoft.com/office/drawing/2014/main" id="{29A80067-5C36-9160-E082-AA7A6C475038}"/>
               </a:ext>
             </a:extLst>
           </p:cNvPr>
@@ -377,7 +377,7 @@
           <p:cNvPr id="3" name="竖排文字占位符 2">
             <a:extLst>
               <a:ext uri="{FF2B5EF4-FFF2-40B4-BE49-F238E27FC236}">
-                <a16:creationId xmlns:a16="http://schemas.microsoft.com/office/drawing/2014/main" id="{52D9477C-9E0A-3B0B-D4E0-167548DC3478}"/>
+                <a16:creationId xmlns:a16="http://schemas.microsoft.com/office/drawing/2014/main" id="{53A87ABA-E6DE-FFF3-FAE5-226E1192C86F}"/>
               </a:ext>
             </a:extLst>
           </p:cNvPr>
@@ -434,7 +434,7 @@
           <p:cNvPr id="4" name="日期占位符 3">
             <a:extLst>
               <a:ext uri="{FF2B5EF4-FFF2-40B4-BE49-F238E27FC236}">
-                <a16:creationId xmlns:a16="http://schemas.microsoft.com/office/drawing/2014/main" id="{F5F64846-1EA4-7B5C-C6F7-3C32CD3BBADD}"/>
+                <a16:creationId xmlns:a16="http://schemas.microsoft.com/office/drawing/2014/main" id="{B4EAD0CD-E4F5-3D2C-2FE0-4C1CE847D45C}"/>
               </a:ext>
             </a:extLst>
           </p:cNvPr>
@@ -450,7 +450,7 @@
           <a:bodyPr/>
           <a:lstStyle/>
           <a:p>
-            <a:fld id="{B6B25925-E63A-4564-819A-1E9D72FB26F0}" type="datetimeFigureOut">
+            <a:fld id="{C5310FB9-0E90-4D1C-894F-D752BE3695E0}" type="datetimeFigureOut">
               <a:rPr lang="zh-CN" altLang="en-US" smtClean="0"/>
               <a:t>2024/3/10</a:t>
             </a:fld>
@@ -463,7 +463,7 @@
           <p:cNvPr id="5" name="页脚占位符 4">
             <a:extLst>
               <a:ext uri="{FF2B5EF4-FFF2-40B4-BE49-F238E27FC236}">
-                <a16:creationId xmlns:a16="http://schemas.microsoft.com/office/drawing/2014/main" id="{6509E53D-D803-9CE1-25AA-6D96E8B54315}"/>
+                <a16:creationId xmlns:a16="http://schemas.microsoft.com/office/drawing/2014/main" id="{9C9A10AC-783E-023B-6602-E0106090E404}"/>
               </a:ext>
             </a:extLst>
           </p:cNvPr>
@@ -488,7 +488,7 @@
           <p:cNvPr id="6" name="灯片编号占位符 5">
             <a:extLst>
               <a:ext uri="{FF2B5EF4-FFF2-40B4-BE49-F238E27FC236}">
-                <a16:creationId xmlns:a16="http://schemas.microsoft.com/office/drawing/2014/main" id="{F2F95E72-598E-4BFF-5BB7-DE83EBFED9FD}"/>
+                <a16:creationId xmlns:a16="http://schemas.microsoft.com/office/drawing/2014/main" id="{7C360FC5-C61D-75DE-CA5C-A84D4ED2789E}"/>
               </a:ext>
             </a:extLst>
           </p:cNvPr>
@@ -504,7 +504,7 @@
           <a:bodyPr/>
           <a:lstStyle/>
           <a:p>
-            <a:fld id="{EC14BF7C-649D-4EBE-AAA8-6DF371B77229}" type="slidenum">
+            <a:fld id="{EEC8AF28-4E70-4040-9671-91D572182E5F}" type="slidenum">
               <a:rPr lang="zh-CN" altLang="en-US" smtClean="0"/>
               <a:t>‹#›</a:t>
             </a:fld>
@@ -515,7 +515,7 @@
     </p:spTree>
     <p:extLst>
       <p:ext uri="{BB962C8B-B14F-4D97-AF65-F5344CB8AC3E}">
-        <p14:creationId xmlns:p14="http://schemas.microsoft.com/office/powerpoint/2010/main" val="3446122853"/>
+        <p14:creationId xmlns:p14="http://schemas.microsoft.com/office/powerpoint/2010/main" val="3050373898"/>
       </p:ext>
     </p:extLst>
   </p:cSld>
@@ -547,7 +547,7 @@
           <p:cNvPr id="2" name="竖排标题 1">
             <a:extLst>
               <a:ext uri="{FF2B5EF4-FFF2-40B4-BE49-F238E27FC236}">
-                <a16:creationId xmlns:a16="http://schemas.microsoft.com/office/drawing/2014/main" id="{5CFB69AB-AAFB-0CCD-C8ED-13022057119C}"/>
+                <a16:creationId xmlns:a16="http://schemas.microsoft.com/office/drawing/2014/main" id="{BA496A49-F3B6-E741-8519-406FC67819DD}"/>
               </a:ext>
             </a:extLst>
           </p:cNvPr>
@@ -580,7 +580,7 @@
           <p:cNvPr id="3" name="竖排文字占位符 2">
             <a:extLst>
               <a:ext uri="{FF2B5EF4-FFF2-40B4-BE49-F238E27FC236}">
-                <a16:creationId xmlns:a16="http://schemas.microsoft.com/office/drawing/2014/main" id="{9E659F60-F694-F1CC-4116-0749BDD3FC96}"/>
+                <a16:creationId xmlns:a16="http://schemas.microsoft.com/office/drawing/2014/main" id="{A1571A30-280C-FBBD-E5E7-448BB9419FEE}"/>
               </a:ext>
             </a:extLst>
           </p:cNvPr>
@@ -642,7 +642,7 @@
           <p:cNvPr id="4" name="日期占位符 3">
             <a:extLst>
               <a:ext uri="{FF2B5EF4-FFF2-40B4-BE49-F238E27FC236}">
-                <a16:creationId xmlns:a16="http://schemas.microsoft.com/office/drawing/2014/main" id="{5E008177-C26A-57E5-CDDC-3237997ED50F}"/>
+                <a16:creationId xmlns:a16="http://schemas.microsoft.com/office/drawing/2014/main" id="{6E857A58-73B2-BE8D-43FA-DB8B41911326}"/>
               </a:ext>
             </a:extLst>
           </p:cNvPr>
@@ -658,7 +658,7 @@
           <a:bodyPr/>
           <a:lstStyle/>
           <a:p>
-            <a:fld id="{B6B25925-E63A-4564-819A-1E9D72FB26F0}" type="datetimeFigureOut">
+            <a:fld id="{C5310FB9-0E90-4D1C-894F-D752BE3695E0}" type="datetimeFigureOut">
               <a:rPr lang="zh-CN" altLang="en-US" smtClean="0"/>
               <a:t>2024/3/10</a:t>
             </a:fld>
@@ -671,7 +671,7 @@
           <p:cNvPr id="5" name="页脚占位符 4">
             <a:extLst>
               <a:ext uri="{FF2B5EF4-FFF2-40B4-BE49-F238E27FC236}">
-                <a16:creationId xmlns:a16="http://schemas.microsoft.com/office/drawing/2014/main" id="{B497CA64-4CC0-183D-1822-4898DC1997A7}"/>
+                <a16:creationId xmlns:a16="http://schemas.microsoft.com/office/drawing/2014/main" id="{E3DB7C3E-55A5-B530-5B62-034E30FF149E}"/>
               </a:ext>
             </a:extLst>
           </p:cNvPr>
@@ -696,7 +696,7 @@
           <p:cNvPr id="6" name="灯片编号占位符 5">
             <a:extLst>
               <a:ext uri="{FF2B5EF4-FFF2-40B4-BE49-F238E27FC236}">
-                <a16:creationId xmlns:a16="http://schemas.microsoft.com/office/drawing/2014/main" id="{F26D8B9F-63B6-2462-03D7-47D2F3DB6CEA}"/>
+                <a16:creationId xmlns:a16="http://schemas.microsoft.com/office/drawing/2014/main" id="{A114F790-381F-7CD9-17A9-2539039775F6}"/>
               </a:ext>
             </a:extLst>
           </p:cNvPr>
@@ -712,7 +712,7 @@
           <a:bodyPr/>
           <a:lstStyle/>
           <a:p>
-            <a:fld id="{EC14BF7C-649D-4EBE-AAA8-6DF371B77229}" type="slidenum">
+            <a:fld id="{EEC8AF28-4E70-4040-9671-91D572182E5F}" type="slidenum">
               <a:rPr lang="zh-CN" altLang="en-US" smtClean="0"/>
               <a:t>‹#›</a:t>
             </a:fld>
@@ -723,7 +723,7 @@
     </p:spTree>
     <p:extLst>
       <p:ext uri="{BB962C8B-B14F-4D97-AF65-F5344CB8AC3E}">
-        <p14:creationId xmlns:p14="http://schemas.microsoft.com/office/powerpoint/2010/main" val="1382975961"/>
+        <p14:creationId xmlns:p14="http://schemas.microsoft.com/office/powerpoint/2010/main" val="2098009835"/>
       </p:ext>
     </p:extLst>
   </p:cSld>
@@ -755,7 +755,7 @@
           <p:cNvPr id="2" name="标题 1">
             <a:extLst>
               <a:ext uri="{FF2B5EF4-FFF2-40B4-BE49-F238E27FC236}">
-                <a16:creationId xmlns:a16="http://schemas.microsoft.com/office/drawing/2014/main" id="{EB205D20-2DE6-1E4A-45EA-6EE70A67D4B8}"/>
+                <a16:creationId xmlns:a16="http://schemas.microsoft.com/office/drawing/2014/main" id="{6B223B0F-D1AF-E10D-F350-82EA82C93282}"/>
               </a:ext>
             </a:extLst>
           </p:cNvPr>
@@ -783,7 +783,7 @@
           <p:cNvPr id="3" name="内容占位符 2">
             <a:extLst>
               <a:ext uri="{FF2B5EF4-FFF2-40B4-BE49-F238E27FC236}">
-                <a16:creationId xmlns:a16="http://schemas.microsoft.com/office/drawing/2014/main" id="{05894709-1D78-6C40-0C80-F851553A4ABE}"/>
+                <a16:creationId xmlns:a16="http://schemas.microsoft.com/office/drawing/2014/main" id="{3CB9DC6C-0185-E760-8ACE-A5AA8E4B2701}"/>
               </a:ext>
             </a:extLst>
           </p:cNvPr>
@@ -840,7 +840,7 @@
           <p:cNvPr id="4" name="日期占位符 3">
             <a:extLst>
               <a:ext uri="{FF2B5EF4-FFF2-40B4-BE49-F238E27FC236}">
-                <a16:creationId xmlns:a16="http://schemas.microsoft.com/office/drawing/2014/main" id="{836ACB03-C344-93AD-001A-D29662954150}"/>
+                <a16:creationId xmlns:a16="http://schemas.microsoft.com/office/drawing/2014/main" id="{F569A73F-F5EA-B85B-1DEA-3D932CE7F413}"/>
               </a:ext>
             </a:extLst>
           </p:cNvPr>
@@ -856,7 +856,7 @@
           <a:bodyPr/>
           <a:lstStyle/>
           <a:p>
-            <a:fld id="{B6B25925-E63A-4564-819A-1E9D72FB26F0}" type="datetimeFigureOut">
+            <a:fld id="{C5310FB9-0E90-4D1C-894F-D752BE3695E0}" type="datetimeFigureOut">
               <a:rPr lang="zh-CN" altLang="en-US" smtClean="0"/>
               <a:t>2024/3/10</a:t>
             </a:fld>
@@ -869,7 +869,7 @@
           <p:cNvPr id="5" name="页脚占位符 4">
             <a:extLst>
               <a:ext uri="{FF2B5EF4-FFF2-40B4-BE49-F238E27FC236}">
-                <a16:creationId xmlns:a16="http://schemas.microsoft.com/office/drawing/2014/main" id="{7F9E3AD9-41AA-C835-1A15-A717362AB41B}"/>
+                <a16:creationId xmlns:a16="http://schemas.microsoft.com/office/drawing/2014/main" id="{0CAD357F-7C74-5E9C-3DC7-FB960702ED67}"/>
               </a:ext>
             </a:extLst>
           </p:cNvPr>
@@ -894,7 +894,7 @@
           <p:cNvPr id="6" name="灯片编号占位符 5">
             <a:extLst>
               <a:ext uri="{FF2B5EF4-FFF2-40B4-BE49-F238E27FC236}">
-                <a16:creationId xmlns:a16="http://schemas.microsoft.com/office/drawing/2014/main" id="{575363FB-649A-3739-9E48-5FFD456EB17A}"/>
+                <a16:creationId xmlns:a16="http://schemas.microsoft.com/office/drawing/2014/main" id="{A27223F1-0868-E0AD-592E-D9F2051134F6}"/>
               </a:ext>
             </a:extLst>
           </p:cNvPr>
@@ -910,7 +910,7 @@
           <a:bodyPr/>
           <a:lstStyle/>
           <a:p>
-            <a:fld id="{EC14BF7C-649D-4EBE-AAA8-6DF371B77229}" type="slidenum">
+            <a:fld id="{EEC8AF28-4E70-4040-9671-91D572182E5F}" type="slidenum">
               <a:rPr lang="zh-CN" altLang="en-US" smtClean="0"/>
               <a:t>‹#›</a:t>
             </a:fld>
@@ -921,7 +921,7 @@
     </p:spTree>
     <p:extLst>
       <p:ext uri="{BB962C8B-B14F-4D97-AF65-F5344CB8AC3E}">
-        <p14:creationId xmlns:p14="http://schemas.microsoft.com/office/powerpoint/2010/main" val="1015268954"/>
+        <p14:creationId xmlns:p14="http://schemas.microsoft.com/office/powerpoint/2010/main" val="2739439021"/>
       </p:ext>
     </p:extLst>
   </p:cSld>
@@ -953,7 +953,7 @@
           <p:cNvPr id="2" name="标题 1">
             <a:extLst>
               <a:ext uri="{FF2B5EF4-FFF2-40B4-BE49-F238E27FC236}">
-                <a16:creationId xmlns:a16="http://schemas.microsoft.com/office/drawing/2014/main" id="{57387F7C-5A76-6540-ED86-B7A1712CEE34}"/>
+                <a16:creationId xmlns:a16="http://schemas.microsoft.com/office/drawing/2014/main" id="{BC48E77D-1C51-A0CE-FD82-C5899610C859}"/>
               </a:ext>
             </a:extLst>
           </p:cNvPr>
@@ -990,7 +990,7 @@
           <p:cNvPr id="3" name="文本占位符 2">
             <a:extLst>
               <a:ext uri="{FF2B5EF4-FFF2-40B4-BE49-F238E27FC236}">
-                <a16:creationId xmlns:a16="http://schemas.microsoft.com/office/drawing/2014/main" id="{6D5F5A92-8478-ED1C-D6CE-D78F8AA7A2FC}"/>
+                <a16:creationId xmlns:a16="http://schemas.microsoft.com/office/drawing/2014/main" id="{67304B25-35E1-38A2-DBC8-C1F6695D5EA5}"/>
               </a:ext>
             </a:extLst>
           </p:cNvPr>
@@ -1115,7 +1115,7 @@
           <p:cNvPr id="4" name="日期占位符 3">
             <a:extLst>
               <a:ext uri="{FF2B5EF4-FFF2-40B4-BE49-F238E27FC236}">
-                <a16:creationId xmlns:a16="http://schemas.microsoft.com/office/drawing/2014/main" id="{99DEA4B0-50D6-2BEF-666D-57A26BEB5DA2}"/>
+                <a16:creationId xmlns:a16="http://schemas.microsoft.com/office/drawing/2014/main" id="{EB964E82-21AF-1FBD-8B92-7146761E2965}"/>
               </a:ext>
             </a:extLst>
           </p:cNvPr>
@@ -1131,7 +1131,7 @@
           <a:bodyPr/>
           <a:lstStyle/>
           <a:p>
-            <a:fld id="{B6B25925-E63A-4564-819A-1E9D72FB26F0}" type="datetimeFigureOut">
+            <a:fld id="{C5310FB9-0E90-4D1C-894F-D752BE3695E0}" type="datetimeFigureOut">
               <a:rPr lang="zh-CN" altLang="en-US" smtClean="0"/>
               <a:t>2024/3/10</a:t>
             </a:fld>
@@ -1144,7 +1144,7 @@
           <p:cNvPr id="5" name="页脚占位符 4">
             <a:extLst>
               <a:ext uri="{FF2B5EF4-FFF2-40B4-BE49-F238E27FC236}">
-                <a16:creationId xmlns:a16="http://schemas.microsoft.com/office/drawing/2014/main" id="{E3F0B25D-E7D8-058A-A0F6-4A16B75726EB}"/>
+                <a16:creationId xmlns:a16="http://schemas.microsoft.com/office/drawing/2014/main" id="{BA2D275C-7F62-C709-BA2D-B2CF675B231E}"/>
               </a:ext>
             </a:extLst>
           </p:cNvPr>
@@ -1169,7 +1169,7 @@
           <p:cNvPr id="6" name="灯片编号占位符 5">
             <a:extLst>
               <a:ext uri="{FF2B5EF4-FFF2-40B4-BE49-F238E27FC236}">
-                <a16:creationId xmlns:a16="http://schemas.microsoft.com/office/drawing/2014/main" id="{18AE291F-D043-461E-CB6E-D1FC483954C4}"/>
+                <a16:creationId xmlns:a16="http://schemas.microsoft.com/office/drawing/2014/main" id="{7DA6EA1D-E440-72B3-2797-93ADDB053F2A}"/>
               </a:ext>
             </a:extLst>
           </p:cNvPr>
@@ -1185,7 +1185,7 @@
           <a:bodyPr/>
           <a:lstStyle/>
           <a:p>
-            <a:fld id="{EC14BF7C-649D-4EBE-AAA8-6DF371B77229}" type="slidenum">
+            <a:fld id="{EEC8AF28-4E70-4040-9671-91D572182E5F}" type="slidenum">
               <a:rPr lang="zh-CN" altLang="en-US" smtClean="0"/>
               <a:t>‹#›</a:t>
             </a:fld>
@@ -1196,7 +1196,7 @@
     </p:spTree>
     <p:extLst>
       <p:ext uri="{BB962C8B-B14F-4D97-AF65-F5344CB8AC3E}">
-        <p14:creationId xmlns:p14="http://schemas.microsoft.com/office/powerpoint/2010/main" val="2587169185"/>
+        <p14:creationId xmlns:p14="http://schemas.microsoft.com/office/powerpoint/2010/main" val="2003642398"/>
       </p:ext>
     </p:extLst>
   </p:cSld>
@@ -1228,7 +1228,7 @@
           <p:cNvPr id="2" name="标题 1">
             <a:extLst>
               <a:ext uri="{FF2B5EF4-FFF2-40B4-BE49-F238E27FC236}">
-                <a16:creationId xmlns:a16="http://schemas.microsoft.com/office/drawing/2014/main" id="{D891535E-4733-94E1-A5DE-23781B4148F8}"/>
+                <a16:creationId xmlns:a16="http://schemas.microsoft.com/office/drawing/2014/main" id="{DC46C1D1-5E8D-50A0-A801-F6A950B8293E}"/>
               </a:ext>
             </a:extLst>
           </p:cNvPr>
@@ -1256,7 +1256,7 @@
           <p:cNvPr id="3" name="内容占位符 2">
             <a:extLst>
               <a:ext uri="{FF2B5EF4-FFF2-40B4-BE49-F238E27FC236}">
-                <a16:creationId xmlns:a16="http://schemas.microsoft.com/office/drawing/2014/main" id="{716A5228-F107-BCAC-B7B8-2A0816796B18}"/>
+                <a16:creationId xmlns:a16="http://schemas.microsoft.com/office/drawing/2014/main" id="{CA2C9027-E42D-C9CD-9FB3-EF99AD4BB945}"/>
               </a:ext>
             </a:extLst>
           </p:cNvPr>
@@ -1318,7 +1318,7 @@
           <p:cNvPr id="4" name="内容占位符 3">
             <a:extLst>
               <a:ext uri="{FF2B5EF4-FFF2-40B4-BE49-F238E27FC236}">
-                <a16:creationId xmlns:a16="http://schemas.microsoft.com/office/drawing/2014/main" id="{B0FDAD8D-E1AB-D648-45F2-6F5A479ED000}"/>
+                <a16:creationId xmlns:a16="http://schemas.microsoft.com/office/drawing/2014/main" id="{F80C03F4-AA08-656D-0D0E-E9C9E1C372B0}"/>
               </a:ext>
             </a:extLst>
           </p:cNvPr>
@@ -1380,7 +1380,7 @@
           <p:cNvPr id="5" name="日期占位符 4">
             <a:extLst>
               <a:ext uri="{FF2B5EF4-FFF2-40B4-BE49-F238E27FC236}">
-                <a16:creationId xmlns:a16="http://schemas.microsoft.com/office/drawing/2014/main" id="{F0B32828-B26D-9FCE-1750-551E2102A575}"/>
+                <a16:creationId xmlns:a16="http://schemas.microsoft.com/office/drawing/2014/main" id="{8AD81B7E-E5F8-812A-B87B-A8C31A40F887}"/>
               </a:ext>
             </a:extLst>
           </p:cNvPr>
@@ -1396,7 +1396,7 @@
           <a:bodyPr/>
           <a:lstStyle/>
           <a:p>
-            <a:fld id="{B6B25925-E63A-4564-819A-1E9D72FB26F0}" type="datetimeFigureOut">
+            <a:fld id="{C5310FB9-0E90-4D1C-894F-D752BE3695E0}" type="datetimeFigureOut">
               <a:rPr lang="zh-CN" altLang="en-US" smtClean="0"/>
               <a:t>2024/3/10</a:t>
             </a:fld>
@@ -1409,7 +1409,7 @@
           <p:cNvPr id="6" name="页脚占位符 5">
             <a:extLst>
               <a:ext uri="{FF2B5EF4-FFF2-40B4-BE49-F238E27FC236}">
-                <a16:creationId xmlns:a16="http://schemas.microsoft.com/office/drawing/2014/main" id="{51E9AFFD-7605-C4D9-0044-308814D89A28}"/>
+                <a16:creationId xmlns:a16="http://schemas.microsoft.com/office/drawing/2014/main" id="{80BC1A81-0B7E-0951-25AC-79B7906ADF9D}"/>
               </a:ext>
             </a:extLst>
           </p:cNvPr>
@@ -1434,7 +1434,7 @@
           <p:cNvPr id="7" name="灯片编号占位符 6">
             <a:extLst>
               <a:ext uri="{FF2B5EF4-FFF2-40B4-BE49-F238E27FC236}">
-                <a16:creationId xmlns:a16="http://schemas.microsoft.com/office/drawing/2014/main" id="{1BDB499A-E63C-37BA-A163-8BDCFC8584DE}"/>
+                <a16:creationId xmlns:a16="http://schemas.microsoft.com/office/drawing/2014/main" id="{12E24342-BFFE-9C3A-9434-D46022DFF4CA}"/>
               </a:ext>
             </a:extLst>
           </p:cNvPr>
@@ -1450,7 +1450,7 @@
           <a:bodyPr/>
           <a:lstStyle/>
           <a:p>
-            <a:fld id="{EC14BF7C-649D-4EBE-AAA8-6DF371B77229}" type="slidenum">
+            <a:fld id="{EEC8AF28-4E70-4040-9671-91D572182E5F}" type="slidenum">
               <a:rPr lang="zh-CN" altLang="en-US" smtClean="0"/>
               <a:t>‹#›</a:t>
             </a:fld>
@@ -1461,7 +1461,7 @@
     </p:spTree>
     <p:extLst>
       <p:ext uri="{BB962C8B-B14F-4D97-AF65-F5344CB8AC3E}">
-        <p14:creationId xmlns:p14="http://schemas.microsoft.com/office/powerpoint/2010/main" val="3909850416"/>
+        <p14:creationId xmlns:p14="http://schemas.microsoft.com/office/powerpoint/2010/main" val="1064183577"/>
       </p:ext>
     </p:extLst>
   </p:cSld>
@@ -1493,7 +1493,7 @@
           <p:cNvPr id="2" name="标题 1">
             <a:extLst>
               <a:ext uri="{FF2B5EF4-FFF2-40B4-BE49-F238E27FC236}">
-                <a16:creationId xmlns:a16="http://schemas.microsoft.com/office/drawing/2014/main" id="{7977C80A-1F4D-12F1-3C59-C6F65D745ABD}"/>
+                <a16:creationId xmlns:a16="http://schemas.microsoft.com/office/drawing/2014/main" id="{06982147-B2C8-39A5-17BE-C9C28ED6A80E}"/>
               </a:ext>
             </a:extLst>
           </p:cNvPr>
@@ -1526,7 +1526,7 @@
           <p:cNvPr id="3" name="文本占位符 2">
             <a:extLst>
               <a:ext uri="{FF2B5EF4-FFF2-40B4-BE49-F238E27FC236}">
-                <a16:creationId xmlns:a16="http://schemas.microsoft.com/office/drawing/2014/main" id="{A8D9D385-9AEC-B233-0773-5B8D2D249528}"/>
+                <a16:creationId xmlns:a16="http://schemas.microsoft.com/office/drawing/2014/main" id="{7D84A42F-0715-8EA0-79CF-BD0F50D8AF23}"/>
               </a:ext>
             </a:extLst>
           </p:cNvPr>
@@ -1597,7 +1597,7 @@
           <p:cNvPr id="4" name="内容占位符 3">
             <a:extLst>
               <a:ext uri="{FF2B5EF4-FFF2-40B4-BE49-F238E27FC236}">
-                <a16:creationId xmlns:a16="http://schemas.microsoft.com/office/drawing/2014/main" id="{141FE93E-0737-CA0B-FD48-6BC4BD6B5008}"/>
+                <a16:creationId xmlns:a16="http://schemas.microsoft.com/office/drawing/2014/main" id="{C7C08660-E2B1-01F9-A6A3-AD149E6F22AF}"/>
               </a:ext>
             </a:extLst>
           </p:cNvPr>
@@ -1659,7 +1659,7 @@
           <p:cNvPr id="5" name="文本占位符 4">
             <a:extLst>
               <a:ext uri="{FF2B5EF4-FFF2-40B4-BE49-F238E27FC236}">
-                <a16:creationId xmlns:a16="http://schemas.microsoft.com/office/drawing/2014/main" id="{6F421983-1BBE-1238-F889-129484163121}"/>
+                <a16:creationId xmlns:a16="http://schemas.microsoft.com/office/drawing/2014/main" id="{4B4339FE-4134-D7AA-A276-66427A5B4D65}"/>
               </a:ext>
             </a:extLst>
           </p:cNvPr>
@@ -1730,7 +1730,7 @@
           <p:cNvPr id="6" name="内容占位符 5">
             <a:extLst>
               <a:ext uri="{FF2B5EF4-FFF2-40B4-BE49-F238E27FC236}">
-                <a16:creationId xmlns:a16="http://schemas.microsoft.com/office/drawing/2014/main" id="{9124185D-6769-8F80-C29D-1EE986B93E9F}"/>
+                <a16:creationId xmlns:a16="http://schemas.microsoft.com/office/drawing/2014/main" id="{9E83B45C-EBDE-96CE-AD22-727A94B2B48A}"/>
               </a:ext>
             </a:extLst>
           </p:cNvPr>
@@ -1792,7 +1792,7 @@
           <p:cNvPr id="7" name="日期占位符 6">
             <a:extLst>
               <a:ext uri="{FF2B5EF4-FFF2-40B4-BE49-F238E27FC236}">
-                <a16:creationId xmlns:a16="http://schemas.microsoft.com/office/drawing/2014/main" id="{C0F81549-00C4-7734-1E09-E9427A64400D}"/>
+                <a16:creationId xmlns:a16="http://schemas.microsoft.com/office/drawing/2014/main" id="{D1C5BE8F-7249-86C0-9EEB-84DFAB59881D}"/>
               </a:ext>
             </a:extLst>
           </p:cNvPr>
@@ -1808,7 +1808,7 @@
           <a:bodyPr/>
           <a:lstStyle/>
           <a:p>
-            <a:fld id="{B6B25925-E63A-4564-819A-1E9D72FB26F0}" type="datetimeFigureOut">
+            <a:fld id="{C5310FB9-0E90-4D1C-894F-D752BE3695E0}" type="datetimeFigureOut">
               <a:rPr lang="zh-CN" altLang="en-US" smtClean="0"/>
               <a:t>2024/3/10</a:t>
             </a:fld>
@@ -1821,7 +1821,7 @@
           <p:cNvPr id="8" name="页脚占位符 7">
             <a:extLst>
               <a:ext uri="{FF2B5EF4-FFF2-40B4-BE49-F238E27FC236}">
-                <a16:creationId xmlns:a16="http://schemas.microsoft.com/office/drawing/2014/main" id="{05ACD9D0-2F2A-76C3-59D9-7AAE0ECDBAC1}"/>
+                <a16:creationId xmlns:a16="http://schemas.microsoft.com/office/drawing/2014/main" id="{726087CA-8698-7E64-E3AA-289C0AEA3586}"/>
               </a:ext>
             </a:extLst>
           </p:cNvPr>
@@ -1846,7 +1846,7 @@
           <p:cNvPr id="9" name="灯片编号占位符 8">
             <a:extLst>
               <a:ext uri="{FF2B5EF4-FFF2-40B4-BE49-F238E27FC236}">
-                <a16:creationId xmlns:a16="http://schemas.microsoft.com/office/drawing/2014/main" id="{11F5E12D-6E21-1F68-7CC8-03ABE53AE111}"/>
+                <a16:creationId xmlns:a16="http://schemas.microsoft.com/office/drawing/2014/main" id="{7481C123-739A-5630-33BC-5204C44BB5C5}"/>
               </a:ext>
             </a:extLst>
           </p:cNvPr>
@@ -1862,7 +1862,7 @@
           <a:bodyPr/>
           <a:lstStyle/>
           <a:p>
-            <a:fld id="{EC14BF7C-649D-4EBE-AAA8-6DF371B77229}" type="slidenum">
+            <a:fld id="{EEC8AF28-4E70-4040-9671-91D572182E5F}" type="slidenum">
               <a:rPr lang="zh-CN" altLang="en-US" smtClean="0"/>
               <a:t>‹#›</a:t>
             </a:fld>
@@ -1873,7 +1873,7 @@
     </p:spTree>
     <p:extLst>
       <p:ext uri="{BB962C8B-B14F-4D97-AF65-F5344CB8AC3E}">
-        <p14:creationId xmlns:p14="http://schemas.microsoft.com/office/powerpoint/2010/main" val="1627308258"/>
+        <p14:creationId xmlns:p14="http://schemas.microsoft.com/office/powerpoint/2010/main" val="580803664"/>
       </p:ext>
     </p:extLst>
   </p:cSld>
@@ -1905,7 +1905,7 @@
           <p:cNvPr id="2" name="标题 1">
             <a:extLst>
               <a:ext uri="{FF2B5EF4-FFF2-40B4-BE49-F238E27FC236}">
-                <a16:creationId xmlns:a16="http://schemas.microsoft.com/office/drawing/2014/main" id="{4D312B20-5147-75BA-A4D3-FA88ECBC3B42}"/>
+                <a16:creationId xmlns:a16="http://schemas.microsoft.com/office/drawing/2014/main" id="{974A8EBF-9DEC-2E9F-8F1E-A1E7DB52B60D}"/>
               </a:ext>
             </a:extLst>
           </p:cNvPr>
@@ -1933,7 +1933,7 @@
           <p:cNvPr id="3" name="日期占位符 2">
             <a:extLst>
               <a:ext uri="{FF2B5EF4-FFF2-40B4-BE49-F238E27FC236}">
-                <a16:creationId xmlns:a16="http://schemas.microsoft.com/office/drawing/2014/main" id="{362BF3AE-DA75-0EBE-50CE-2DFFF1D829DF}"/>
+                <a16:creationId xmlns:a16="http://schemas.microsoft.com/office/drawing/2014/main" id="{F4288430-920F-81FB-5394-9BD39EFC0C45}"/>
               </a:ext>
             </a:extLst>
           </p:cNvPr>
@@ -1949,7 +1949,7 @@
           <a:bodyPr/>
           <a:lstStyle/>
           <a:p>
-            <a:fld id="{B6B25925-E63A-4564-819A-1E9D72FB26F0}" type="datetimeFigureOut">
+            <a:fld id="{C5310FB9-0E90-4D1C-894F-D752BE3695E0}" type="datetimeFigureOut">
               <a:rPr lang="zh-CN" altLang="en-US" smtClean="0"/>
               <a:t>2024/3/10</a:t>
             </a:fld>
@@ -1962,7 +1962,7 @@
           <p:cNvPr id="4" name="页脚占位符 3">
             <a:extLst>
               <a:ext uri="{FF2B5EF4-FFF2-40B4-BE49-F238E27FC236}">
-                <a16:creationId xmlns:a16="http://schemas.microsoft.com/office/drawing/2014/main" id="{8057F619-94AA-0B91-0753-AA259447C5E5}"/>
+                <a16:creationId xmlns:a16="http://schemas.microsoft.com/office/drawing/2014/main" id="{17AEF18E-744D-36BE-28A3-C768EA8D38BE}"/>
               </a:ext>
             </a:extLst>
           </p:cNvPr>
@@ -1987,7 +1987,7 @@
           <p:cNvPr id="5" name="灯片编号占位符 4">
             <a:extLst>
               <a:ext uri="{FF2B5EF4-FFF2-40B4-BE49-F238E27FC236}">
-                <a16:creationId xmlns:a16="http://schemas.microsoft.com/office/drawing/2014/main" id="{663F5B9D-0873-594C-5DC0-298B620E8961}"/>
+                <a16:creationId xmlns:a16="http://schemas.microsoft.com/office/drawing/2014/main" id="{29EE92AC-2963-1072-40A9-767A099D4C4A}"/>
               </a:ext>
             </a:extLst>
           </p:cNvPr>
@@ -2003,7 +2003,7 @@
           <a:bodyPr/>
           <a:lstStyle/>
           <a:p>
-            <a:fld id="{EC14BF7C-649D-4EBE-AAA8-6DF371B77229}" type="slidenum">
+            <a:fld id="{EEC8AF28-4E70-4040-9671-91D572182E5F}" type="slidenum">
               <a:rPr lang="zh-CN" altLang="en-US" smtClean="0"/>
               <a:t>‹#›</a:t>
             </a:fld>
@@ -2014,7 +2014,7 @@
     </p:spTree>
     <p:extLst>
       <p:ext uri="{BB962C8B-B14F-4D97-AF65-F5344CB8AC3E}">
-        <p14:creationId xmlns:p14="http://schemas.microsoft.com/office/powerpoint/2010/main" val="2786360911"/>
+        <p14:creationId xmlns:p14="http://schemas.microsoft.com/office/powerpoint/2010/main" val="2308185957"/>
       </p:ext>
     </p:extLst>
   </p:cSld>
@@ -2046,7 +2046,7 @@
           <p:cNvPr id="2" name="日期占位符 1">
             <a:extLst>
               <a:ext uri="{FF2B5EF4-FFF2-40B4-BE49-F238E27FC236}">
-                <a16:creationId xmlns:a16="http://schemas.microsoft.com/office/drawing/2014/main" id="{7FF8D64C-18DE-A608-F758-765BF45AC660}"/>
+                <a16:creationId xmlns:a16="http://schemas.microsoft.com/office/drawing/2014/main" id="{D8D1A0A0-BE01-880B-AC09-F61AA943696F}"/>
               </a:ext>
             </a:extLst>
           </p:cNvPr>
@@ -2062,7 +2062,7 @@
           <a:bodyPr/>
           <a:lstStyle/>
           <a:p>
-            <a:fld id="{B6B25925-E63A-4564-819A-1E9D72FB26F0}" type="datetimeFigureOut">
+            <a:fld id="{C5310FB9-0E90-4D1C-894F-D752BE3695E0}" type="datetimeFigureOut">
               <a:rPr lang="zh-CN" altLang="en-US" smtClean="0"/>
               <a:t>2024/3/10</a:t>
             </a:fld>
@@ -2075,7 +2075,7 @@
           <p:cNvPr id="3" name="页脚占位符 2">
             <a:extLst>
               <a:ext uri="{FF2B5EF4-FFF2-40B4-BE49-F238E27FC236}">
-                <a16:creationId xmlns:a16="http://schemas.microsoft.com/office/drawing/2014/main" id="{3C1130A8-07B9-9142-899A-98C6F64A8703}"/>
+                <a16:creationId xmlns:a16="http://schemas.microsoft.com/office/drawing/2014/main" id="{F5C97E64-3155-2CD4-0A99-E320C3974BCD}"/>
               </a:ext>
             </a:extLst>
           </p:cNvPr>
@@ -2100,7 +2100,7 @@
           <p:cNvPr id="4" name="灯片编号占位符 3">
             <a:extLst>
               <a:ext uri="{FF2B5EF4-FFF2-40B4-BE49-F238E27FC236}">
-                <a16:creationId xmlns:a16="http://schemas.microsoft.com/office/drawing/2014/main" id="{FAF491E8-D68B-5148-AE53-543173D44E67}"/>
+                <a16:creationId xmlns:a16="http://schemas.microsoft.com/office/drawing/2014/main" id="{307B0E3C-9D7C-A3A2-50BC-2B9FFB74D596}"/>
               </a:ext>
             </a:extLst>
           </p:cNvPr>
@@ -2116,7 +2116,7 @@
           <a:bodyPr/>
           <a:lstStyle/>
           <a:p>
-            <a:fld id="{EC14BF7C-649D-4EBE-AAA8-6DF371B77229}" type="slidenum">
+            <a:fld id="{EEC8AF28-4E70-4040-9671-91D572182E5F}" type="slidenum">
               <a:rPr lang="zh-CN" altLang="en-US" smtClean="0"/>
               <a:t>‹#›</a:t>
             </a:fld>
@@ -2127,7 +2127,7 @@
     </p:spTree>
     <p:extLst>
       <p:ext uri="{BB962C8B-B14F-4D97-AF65-F5344CB8AC3E}">
-        <p14:creationId xmlns:p14="http://schemas.microsoft.com/office/powerpoint/2010/main" val="1374323040"/>
+        <p14:creationId xmlns:p14="http://schemas.microsoft.com/office/powerpoint/2010/main" val="3648429752"/>
       </p:ext>
     </p:extLst>
   </p:cSld>
@@ -2159,7 +2159,7 @@
           <p:cNvPr id="2" name="标题 1">
             <a:extLst>
               <a:ext uri="{FF2B5EF4-FFF2-40B4-BE49-F238E27FC236}">
-                <a16:creationId xmlns:a16="http://schemas.microsoft.com/office/drawing/2014/main" id="{A73D36C1-2CC6-6892-5847-E5CE5EC7ABB2}"/>
+                <a16:creationId xmlns:a16="http://schemas.microsoft.com/office/drawing/2014/main" id="{AEDFBB1C-E247-3DC3-992B-6D867FE496DB}"/>
               </a:ext>
             </a:extLst>
           </p:cNvPr>
@@ -2196,7 +2196,7 @@
           <p:cNvPr id="3" name="内容占位符 2">
             <a:extLst>
               <a:ext uri="{FF2B5EF4-FFF2-40B4-BE49-F238E27FC236}">
-                <a16:creationId xmlns:a16="http://schemas.microsoft.com/office/drawing/2014/main" id="{CC8F809A-DD34-9F68-50BB-26939C6AE44D}"/>
+                <a16:creationId xmlns:a16="http://schemas.microsoft.com/office/drawing/2014/main" id="{9959566A-49F5-DDA4-AB21-63F53FD082EE}"/>
               </a:ext>
             </a:extLst>
           </p:cNvPr>
@@ -2286,7 +2286,7 @@
           <p:cNvPr id="4" name="文本占位符 3">
             <a:extLst>
               <a:ext uri="{FF2B5EF4-FFF2-40B4-BE49-F238E27FC236}">
-                <a16:creationId xmlns:a16="http://schemas.microsoft.com/office/drawing/2014/main" id="{4D7A58A9-0488-8D51-53FC-37E6AAD030DA}"/>
+                <a16:creationId xmlns:a16="http://schemas.microsoft.com/office/drawing/2014/main" id="{8639E004-CDB8-B65C-49DE-A032CFDFD15B}"/>
               </a:ext>
             </a:extLst>
           </p:cNvPr>
@@ -2357,7 +2357,7 @@
           <p:cNvPr id="5" name="日期占位符 4">
             <a:extLst>
               <a:ext uri="{FF2B5EF4-FFF2-40B4-BE49-F238E27FC236}">
-                <a16:creationId xmlns:a16="http://schemas.microsoft.com/office/drawing/2014/main" id="{5B5735D7-1629-4394-0F04-6EA696CBADC6}"/>
+                <a16:creationId xmlns:a16="http://schemas.microsoft.com/office/drawing/2014/main" id="{01F64014-A403-0E14-5698-3FD96342AA08}"/>
               </a:ext>
             </a:extLst>
           </p:cNvPr>
@@ -2373,7 +2373,7 @@
           <a:bodyPr/>
           <a:lstStyle/>
           <a:p>
-            <a:fld id="{B6B25925-E63A-4564-819A-1E9D72FB26F0}" type="datetimeFigureOut">
+            <a:fld id="{C5310FB9-0E90-4D1C-894F-D752BE3695E0}" type="datetimeFigureOut">
               <a:rPr lang="zh-CN" altLang="en-US" smtClean="0"/>
               <a:t>2024/3/10</a:t>
             </a:fld>
@@ -2386,7 +2386,7 @@
           <p:cNvPr id="6" name="页脚占位符 5">
             <a:extLst>
               <a:ext uri="{FF2B5EF4-FFF2-40B4-BE49-F238E27FC236}">
-                <a16:creationId xmlns:a16="http://schemas.microsoft.com/office/drawing/2014/main" id="{7C34DEB2-9717-C2C9-4F85-E98C66792832}"/>
+                <a16:creationId xmlns:a16="http://schemas.microsoft.com/office/drawing/2014/main" id="{52CA0828-364B-B2B3-AA18-1563631B0FE3}"/>
               </a:ext>
             </a:extLst>
           </p:cNvPr>
@@ -2411,7 +2411,7 @@
           <p:cNvPr id="7" name="灯片编号占位符 6">
             <a:extLst>
               <a:ext uri="{FF2B5EF4-FFF2-40B4-BE49-F238E27FC236}">
-                <a16:creationId xmlns:a16="http://schemas.microsoft.com/office/drawing/2014/main" id="{7C936E2C-3069-E2A7-B637-F76430AECD4C}"/>
+                <a16:creationId xmlns:a16="http://schemas.microsoft.com/office/drawing/2014/main" id="{71AB7713-7892-4143-8192-8B463943B3E5}"/>
               </a:ext>
             </a:extLst>
           </p:cNvPr>
@@ -2427,7 +2427,7 @@
           <a:bodyPr/>
           <a:lstStyle/>
           <a:p>
-            <a:fld id="{EC14BF7C-649D-4EBE-AAA8-6DF371B77229}" type="slidenum">
+            <a:fld id="{EEC8AF28-4E70-4040-9671-91D572182E5F}" type="slidenum">
               <a:rPr lang="zh-CN" altLang="en-US" smtClean="0"/>
               <a:t>‹#›</a:t>
             </a:fld>
@@ -2438,7 +2438,7 @@
     </p:spTree>
     <p:extLst>
       <p:ext uri="{BB962C8B-B14F-4D97-AF65-F5344CB8AC3E}">
-        <p14:creationId xmlns:p14="http://schemas.microsoft.com/office/powerpoint/2010/main" val="785793065"/>
+        <p14:creationId xmlns:p14="http://schemas.microsoft.com/office/powerpoint/2010/main" val="1121718912"/>
       </p:ext>
     </p:extLst>
   </p:cSld>
@@ -2470,7 +2470,7 @@
           <p:cNvPr id="2" name="标题 1">
             <a:extLst>
               <a:ext uri="{FF2B5EF4-FFF2-40B4-BE49-F238E27FC236}">
-                <a16:creationId xmlns:a16="http://schemas.microsoft.com/office/drawing/2014/main" id="{53623099-0B87-0F39-8031-34DB7128BD5B}"/>
+                <a16:creationId xmlns:a16="http://schemas.microsoft.com/office/drawing/2014/main" id="{F70F7925-C8F3-84DB-ED1E-3449A39931B0}"/>
               </a:ext>
             </a:extLst>
           </p:cNvPr>
@@ -2507,7 +2507,7 @@
           <p:cNvPr id="3" name="图片占位符 2">
             <a:extLst>
               <a:ext uri="{FF2B5EF4-FFF2-40B4-BE49-F238E27FC236}">
-                <a16:creationId xmlns:a16="http://schemas.microsoft.com/office/drawing/2014/main" id="{11BEB8B9-A45B-8841-A43E-D18494299DC9}"/>
+                <a16:creationId xmlns:a16="http://schemas.microsoft.com/office/drawing/2014/main" id="{66895B1B-4BEC-6E98-18D4-0B8B07A6C891}"/>
               </a:ext>
             </a:extLst>
           </p:cNvPr>
@@ -2574,7 +2574,7 @@
           <p:cNvPr id="4" name="文本占位符 3">
             <a:extLst>
               <a:ext uri="{FF2B5EF4-FFF2-40B4-BE49-F238E27FC236}">
-                <a16:creationId xmlns:a16="http://schemas.microsoft.com/office/drawing/2014/main" id="{3C521F1B-BA97-FE52-0850-32A42F554670}"/>
+                <a16:creationId xmlns:a16="http://schemas.microsoft.com/office/drawing/2014/main" id="{8AD943DF-CADB-A696-806F-FCBACDE2E380}"/>
               </a:ext>
             </a:extLst>
           </p:cNvPr>
@@ -2645,7 +2645,7 @@
           <p:cNvPr id="5" name="日期占位符 4">
             <a:extLst>
               <a:ext uri="{FF2B5EF4-FFF2-40B4-BE49-F238E27FC236}">
-                <a16:creationId xmlns:a16="http://schemas.microsoft.com/office/drawing/2014/main" id="{24AFAC8F-2B62-A293-D74F-773ADEEAFEBE}"/>
+                <a16:creationId xmlns:a16="http://schemas.microsoft.com/office/drawing/2014/main" id="{4A088E4C-BBC8-76FC-23F6-A31D194F7DD5}"/>
               </a:ext>
             </a:extLst>
           </p:cNvPr>
@@ -2661,7 +2661,7 @@
           <a:bodyPr/>
           <a:lstStyle/>
           <a:p>
-            <a:fld id="{B6B25925-E63A-4564-819A-1E9D72FB26F0}" type="datetimeFigureOut">
+            <a:fld id="{C5310FB9-0E90-4D1C-894F-D752BE3695E0}" type="datetimeFigureOut">
               <a:rPr lang="zh-CN" altLang="en-US" smtClean="0"/>
               <a:t>2024/3/10</a:t>
             </a:fld>
@@ -2674,7 +2674,7 @@
           <p:cNvPr id="6" name="页脚占位符 5">
             <a:extLst>
               <a:ext uri="{FF2B5EF4-FFF2-40B4-BE49-F238E27FC236}">
-                <a16:creationId xmlns:a16="http://schemas.microsoft.com/office/drawing/2014/main" id="{1AC6D189-55CD-99C5-A1FB-19C9D455C922}"/>
+                <a16:creationId xmlns:a16="http://schemas.microsoft.com/office/drawing/2014/main" id="{E82371A8-8217-7D3A-18DF-032CE67611C6}"/>
               </a:ext>
             </a:extLst>
           </p:cNvPr>
@@ -2699,7 +2699,7 @@
           <p:cNvPr id="7" name="灯片编号占位符 6">
             <a:extLst>
               <a:ext uri="{FF2B5EF4-FFF2-40B4-BE49-F238E27FC236}">
-                <a16:creationId xmlns:a16="http://schemas.microsoft.com/office/drawing/2014/main" id="{31C224DF-E5E7-F218-CF7F-69D1C831D2A7}"/>
+                <a16:creationId xmlns:a16="http://schemas.microsoft.com/office/drawing/2014/main" id="{D13E274F-23C0-F7DE-BC94-DC5696A182A4}"/>
               </a:ext>
             </a:extLst>
           </p:cNvPr>
@@ -2715,7 +2715,7 @@
           <a:bodyPr/>
           <a:lstStyle/>
           <a:p>
-            <a:fld id="{EC14BF7C-649D-4EBE-AAA8-6DF371B77229}" type="slidenum">
+            <a:fld id="{EEC8AF28-4E70-4040-9671-91D572182E5F}" type="slidenum">
               <a:rPr lang="zh-CN" altLang="en-US" smtClean="0"/>
               <a:t>‹#›</a:t>
             </a:fld>
@@ -2726,7 +2726,7 @@
     </p:spTree>
     <p:extLst>
       <p:ext uri="{BB962C8B-B14F-4D97-AF65-F5344CB8AC3E}">
-        <p14:creationId xmlns:p14="http://schemas.microsoft.com/office/powerpoint/2010/main" val="2638218413"/>
+        <p14:creationId xmlns:p14="http://schemas.microsoft.com/office/powerpoint/2010/main" val="427638705"/>
       </p:ext>
     </p:extLst>
   </p:cSld>
@@ -2763,7 +2763,7 @@
           <p:cNvPr id="2" name="标题占位符 1">
             <a:extLst>
               <a:ext uri="{FF2B5EF4-FFF2-40B4-BE49-F238E27FC236}">
-                <a16:creationId xmlns:a16="http://schemas.microsoft.com/office/drawing/2014/main" id="{DF75055C-AAE0-AAEF-759C-AC6817150995}"/>
+                <a16:creationId xmlns:a16="http://schemas.microsoft.com/office/drawing/2014/main" id="{903C211B-9E77-728D-3359-61C15AD36F60}"/>
               </a:ext>
             </a:extLst>
           </p:cNvPr>
@@ -2801,7 +2801,7 @@
           <p:cNvPr id="3" name="文本占位符 2">
             <a:extLst>
               <a:ext uri="{FF2B5EF4-FFF2-40B4-BE49-F238E27FC236}">
-                <a16:creationId xmlns:a16="http://schemas.microsoft.com/office/drawing/2014/main" id="{538A1A8B-AAA6-7888-B369-3F929FDD0C25}"/>
+                <a16:creationId xmlns:a16="http://schemas.microsoft.com/office/drawing/2014/main" id="{C95CDA66-E5CD-2012-447C-86432B3E839F}"/>
               </a:ext>
             </a:extLst>
           </p:cNvPr>
@@ -2868,7 +2868,7 @@
           <p:cNvPr id="4" name="日期占位符 3">
             <a:extLst>
               <a:ext uri="{FF2B5EF4-FFF2-40B4-BE49-F238E27FC236}">
-                <a16:creationId xmlns:a16="http://schemas.microsoft.com/office/drawing/2014/main" id="{71A4A999-78C9-BA82-1224-713726F03548}"/>
+                <a16:creationId xmlns:a16="http://schemas.microsoft.com/office/drawing/2014/main" id="{B510CD3B-49A5-65B9-C106-061B5AE0FCD6}"/>
               </a:ext>
             </a:extLst>
           </p:cNvPr>
@@ -2902,7 +2902,7 @@
             </a:lvl1pPr>
           </a:lstStyle>
           <a:p>
-            <a:fld id="{B6B25925-E63A-4564-819A-1E9D72FB26F0}" type="datetimeFigureOut">
+            <a:fld id="{C5310FB9-0E90-4D1C-894F-D752BE3695E0}" type="datetimeFigureOut">
               <a:rPr lang="zh-CN" altLang="en-US" smtClean="0"/>
               <a:t>2024/3/10</a:t>
             </a:fld>
@@ -2915,7 +2915,7 @@
           <p:cNvPr id="5" name="页脚占位符 4">
             <a:extLst>
               <a:ext uri="{FF2B5EF4-FFF2-40B4-BE49-F238E27FC236}">
-                <a16:creationId xmlns:a16="http://schemas.microsoft.com/office/drawing/2014/main" id="{963D09D7-EB7B-406C-4626-31F26AB9A62C}"/>
+                <a16:creationId xmlns:a16="http://schemas.microsoft.com/office/drawing/2014/main" id="{45945D1D-C897-3A21-95C8-503FED7C22B1}"/>
               </a:ext>
             </a:extLst>
           </p:cNvPr>
@@ -2958,7 +2958,7 @@
           <p:cNvPr id="6" name="灯片编号占位符 5">
             <a:extLst>
               <a:ext uri="{FF2B5EF4-FFF2-40B4-BE49-F238E27FC236}">
-                <a16:creationId xmlns:a16="http://schemas.microsoft.com/office/drawing/2014/main" id="{33F853B2-0AF3-7AAE-7128-80B01D081F83}"/>
+                <a16:creationId xmlns:a16="http://schemas.microsoft.com/office/drawing/2014/main" id="{83A98B65-4915-A939-55B7-0BE35781FDEF}"/>
               </a:ext>
             </a:extLst>
           </p:cNvPr>
@@ -2992,7 +2992,7 @@
             </a:lvl1pPr>
           </a:lstStyle>
           <a:p>
-            <a:fld id="{EC14BF7C-649D-4EBE-AAA8-6DF371B77229}" type="slidenum">
+            <a:fld id="{EEC8AF28-4E70-4040-9671-91D572182E5F}" type="slidenum">
               <a:rPr lang="zh-CN" altLang="en-US" smtClean="0"/>
               <a:t>‹#›</a:t>
             </a:fld>
@@ -3003,7 +3003,7 @@
     </p:spTree>
     <p:extLst>
       <p:ext uri="{BB962C8B-B14F-4D97-AF65-F5344CB8AC3E}">
-        <p14:creationId xmlns:p14="http://schemas.microsoft.com/office/powerpoint/2010/main" val="46688699"/>
+        <p14:creationId xmlns:p14="http://schemas.microsoft.com/office/powerpoint/2010/main" val="1511961621"/>
       </p:ext>
     </p:extLst>
   </p:cSld>
@@ -3323,7 +3323,7 @@
       </p:grpSpPr>
       <p:pic>
         <p:nvPicPr>
-          <p:cNvPr id="604162" name="Picture 2" descr="589"/>
+          <p:cNvPr id="605186" name="Picture 2" descr="590"/>
           <p:cNvPicPr>
             <a:picLocks noChangeAspect="1" noChangeArrowheads="1"/>
           </p:cNvPicPr>
